--- a/SEKF/Μητροπολιτικό Κολλέγιο_ΣΕΚΦ[Μιχαηλ Μαρκου] IT in Global Business.pptx
+++ b/SEKF/Μητροπολιτικό Κολλέγιο_ΣΕΚΦ[Μιχαηλ Μαρκου] IT in Global Business.pptx
@@ -229,7 +229,7 @@
             <a:fld id="{8196BD0F-C7DE-4148-B4AF-E3709382BF27}" type="datetimeFigureOut">
               <a:rPr lang="en-US" smtClean="0"/>
               <a:pPr/>
-              <a:t>3/13/2023</a:t>
+              <a:t>3/15/2023</a:t>
             </a:fld>
             <a:endParaRPr lang="en-US" dirty="0"/>
           </a:p>
@@ -396,7 +396,7 @@
             <a:fld id="{FEE8B350-5958-0E41-A6C5-C2C83FBF1FAC}" type="datetimeFigureOut">
               <a:rPr lang="en-US" smtClean="0"/>
               <a:pPr/>
-              <a:t>3/13/2023</a:t>
+              <a:t>3/15/2023</a:t>
             </a:fld>
             <a:endParaRPr lang="en-US" dirty="0"/>
           </a:p>
@@ -3788,7 +3788,7 @@
             <a:fld id="{623BE99D-5132-394D-8DE2-2FD77049DBCC}" type="datetimeFigureOut">
               <a:rPr lang="en-US" smtClean="0"/>
               <a:pPr/>
-              <a:t>3/13/2023</a:t>
+              <a:t>3/15/2023</a:t>
             </a:fld>
             <a:endParaRPr lang="en-US" dirty="0"/>
           </a:p>
@@ -3993,7 +3993,7 @@
             <a:fld id="{623BE99D-5132-394D-8DE2-2FD77049DBCC}" type="datetimeFigureOut">
               <a:rPr lang="en-US" smtClean="0"/>
               <a:pPr/>
-              <a:t>3/13/2023</a:t>
+              <a:t>3/15/2023</a:t>
             </a:fld>
             <a:endParaRPr lang="en-US" dirty="0"/>
           </a:p>
@@ -4198,7 +4198,7 @@
             <a:fld id="{623BE99D-5132-394D-8DE2-2FD77049DBCC}" type="datetimeFigureOut">
               <a:rPr lang="en-US" smtClean="0"/>
               <a:pPr/>
-              <a:t>3/13/2023</a:t>
+              <a:t>3/15/2023</a:t>
             </a:fld>
             <a:endParaRPr lang="en-US" dirty="0"/>
           </a:p>
@@ -4465,7 +4465,7 @@
             <a:fld id="{623BE99D-5132-394D-8DE2-2FD77049DBCC}" type="datetimeFigureOut">
               <a:rPr lang="en-US" smtClean="0"/>
               <a:pPr/>
-              <a:t>3/13/2023</a:t>
+              <a:t>3/15/2023</a:t>
             </a:fld>
             <a:endParaRPr lang="en-US" dirty="0"/>
           </a:p>
@@ -4675,7 +4675,7 @@
             <a:fld id="{623BE99D-5132-394D-8DE2-2FD77049DBCC}" type="datetimeFigureOut">
               <a:rPr lang="en-US" smtClean="0"/>
               <a:pPr/>
-              <a:t>3/13/2023</a:t>
+              <a:t>3/15/2023</a:t>
             </a:fld>
             <a:endParaRPr lang="en-US" dirty="0"/>
           </a:p>
@@ -4952,7 +4952,7 @@
             <a:fld id="{623BE99D-5132-394D-8DE2-2FD77049DBCC}" type="datetimeFigureOut">
               <a:rPr lang="en-US" smtClean="0"/>
               <a:pPr/>
-              <a:t>3/13/2023</a:t>
+              <a:t>3/15/2023</a:t>
             </a:fld>
             <a:endParaRPr lang="en-US" dirty="0"/>
           </a:p>
@@ -5277,7 +5277,7 @@
             <a:fld id="{623BE99D-5132-394D-8DE2-2FD77049DBCC}" type="datetimeFigureOut">
               <a:rPr lang="en-US" smtClean="0"/>
               <a:pPr/>
-              <a:t>3/13/2023</a:t>
+              <a:t>3/15/2023</a:t>
             </a:fld>
             <a:endParaRPr lang="en-US" dirty="0"/>
           </a:p>
@@ -5742,7 +5742,7 @@
             <a:fld id="{623BE99D-5132-394D-8DE2-2FD77049DBCC}" type="datetimeFigureOut">
               <a:rPr lang="en-US" smtClean="0"/>
               <a:pPr/>
-              <a:t>3/13/2023</a:t>
+              <a:t>3/15/2023</a:t>
             </a:fld>
             <a:endParaRPr lang="en-US" dirty="0"/>
           </a:p>
@@ -5893,7 +5893,7 @@
             <a:fld id="{623BE99D-5132-394D-8DE2-2FD77049DBCC}" type="datetimeFigureOut">
               <a:rPr lang="en-US" smtClean="0"/>
               <a:pPr/>
-              <a:t>3/13/2023</a:t>
+              <a:t>3/15/2023</a:t>
             </a:fld>
             <a:endParaRPr lang="en-US" dirty="0"/>
           </a:p>
@@ -6014,7 +6014,7 @@
             <a:fld id="{623BE99D-5132-394D-8DE2-2FD77049DBCC}" type="datetimeFigureOut">
               <a:rPr lang="en-US" smtClean="0"/>
               <a:pPr/>
-              <a:t>3/13/2023</a:t>
+              <a:t>3/15/2023</a:t>
             </a:fld>
             <a:endParaRPr lang="en-US" dirty="0"/>
           </a:p>
@@ -6324,7 +6324,7 @@
             <a:fld id="{623BE99D-5132-394D-8DE2-2FD77049DBCC}" type="datetimeFigureOut">
               <a:rPr lang="en-US" smtClean="0"/>
               <a:pPr/>
-              <a:t>3/13/2023</a:t>
+              <a:t>3/15/2023</a:t>
             </a:fld>
             <a:endParaRPr lang="en-US" dirty="0"/>
           </a:p>
@@ -6534,7 +6534,7 @@
             <a:fld id="{623BE99D-5132-394D-8DE2-2FD77049DBCC}" type="datetimeFigureOut">
               <a:rPr lang="en-US" smtClean="0"/>
               <a:pPr/>
-              <a:t>3/13/2023</a:t>
+              <a:t>3/15/2023</a:t>
             </a:fld>
             <a:endParaRPr lang="en-US" dirty="0"/>
           </a:p>
@@ -6816,7 +6816,7 @@
             <a:fld id="{623BE99D-5132-394D-8DE2-2FD77049DBCC}" type="datetimeFigureOut">
               <a:rPr lang="en-US" smtClean="0"/>
               <a:pPr/>
-              <a:t>3/13/2023</a:t>
+              <a:t>3/15/2023</a:t>
             </a:fld>
             <a:endParaRPr lang="en-US" dirty="0"/>
           </a:p>
@@ -7026,7 +7026,7 @@
             <a:fld id="{623BE99D-5132-394D-8DE2-2FD77049DBCC}" type="datetimeFigureOut">
               <a:rPr lang="en-US" smtClean="0"/>
               <a:pPr/>
-              <a:t>3/13/2023</a:t>
+              <a:t>3/15/2023</a:t>
             </a:fld>
             <a:endParaRPr lang="en-US" dirty="0"/>
           </a:p>
@@ -7236,7 +7236,7 @@
             <a:fld id="{623BE99D-5132-394D-8DE2-2FD77049DBCC}" type="datetimeFigureOut">
               <a:rPr lang="en-US" smtClean="0"/>
               <a:pPr/>
-              <a:t>3/13/2023</a:t>
+              <a:t>3/15/2023</a:t>
             </a:fld>
             <a:endParaRPr lang="en-US" dirty="0"/>
           </a:p>
@@ -7513,7 +7513,7 @@
             <a:fld id="{623BE99D-5132-394D-8DE2-2FD77049DBCC}" type="datetimeFigureOut">
               <a:rPr lang="en-US" smtClean="0"/>
               <a:pPr/>
-              <a:t>3/13/2023</a:t>
+              <a:t>3/15/2023</a:t>
             </a:fld>
             <a:endParaRPr lang="en-US" dirty="0"/>
           </a:p>
@@ -7833,7 +7833,7 @@
             <a:fld id="{623BE99D-5132-394D-8DE2-2FD77049DBCC}" type="datetimeFigureOut">
               <a:rPr lang="en-US" smtClean="0"/>
               <a:pPr/>
-              <a:t>3/13/2023</a:t>
+              <a:t>3/15/2023</a:t>
             </a:fld>
             <a:endParaRPr lang="en-US" dirty="0"/>
           </a:p>
@@ -8293,7 +8293,7 @@
             <a:fld id="{623BE99D-5132-394D-8DE2-2FD77049DBCC}" type="datetimeFigureOut">
               <a:rPr lang="en-US" smtClean="0"/>
               <a:pPr/>
-              <a:t>3/13/2023</a:t>
+              <a:t>3/15/2023</a:t>
             </a:fld>
             <a:endParaRPr lang="en-US" dirty="0"/>
           </a:p>
@@ -8439,7 +8439,7 @@
             <a:fld id="{623BE99D-5132-394D-8DE2-2FD77049DBCC}" type="datetimeFigureOut">
               <a:rPr lang="en-US" smtClean="0"/>
               <a:pPr/>
-              <a:t>3/13/2023</a:t>
+              <a:t>3/15/2023</a:t>
             </a:fld>
             <a:endParaRPr lang="en-US" dirty="0"/>
           </a:p>
@@ -8555,7 +8555,7 @@
             <a:fld id="{623BE99D-5132-394D-8DE2-2FD77049DBCC}" type="datetimeFigureOut">
               <a:rPr lang="en-US" smtClean="0"/>
               <a:pPr/>
-              <a:t>3/13/2023</a:t>
+              <a:t>3/15/2023</a:t>
             </a:fld>
             <a:endParaRPr lang="en-US" dirty="0"/>
           </a:p>
@@ -8860,7 +8860,7 @@
             <a:fld id="{623BE99D-5132-394D-8DE2-2FD77049DBCC}" type="datetimeFigureOut">
               <a:rPr lang="en-US" smtClean="0"/>
               <a:pPr/>
-              <a:t>3/13/2023</a:t>
+              <a:t>3/15/2023</a:t>
             </a:fld>
             <a:endParaRPr lang="en-US" dirty="0"/>
           </a:p>
@@ -9142,7 +9142,7 @@
             <a:fld id="{623BE99D-5132-394D-8DE2-2FD77049DBCC}" type="datetimeFigureOut">
               <a:rPr lang="en-US" smtClean="0"/>
               <a:pPr/>
-              <a:t>3/13/2023</a:t>
+              <a:t>3/15/2023</a:t>
             </a:fld>
             <a:endParaRPr lang="en-US" dirty="0"/>
           </a:p>
@@ -10552,7 +10552,7 @@
                 <a:ea typeface="新細明體" charset="-120"/>
                 <a:cs typeface="Arial" charset="0"/>
               </a:rPr>
-              <a:t>Επιβλέπων καθηγήτρια: </a:t>
+              <a:t>Επιβλέπουσα καθηγήτρια: </a:t>
             </a:r>
             <a:r>
               <a:rPr lang="el-GR" altLang="zh-HK" sz="2000" dirty="0" err="1">
@@ -15773,7 +15773,7 @@
                 <a:ea typeface="Calibri" panose="020F0502020204030204" pitchFamily="34" charset="0"/>
                 <a:cs typeface="Arial" panose="020B0604020202020204" pitchFamily="34" charset="0"/>
               </a:rPr>
-              <a:t> Μαρία ήταν πάντοτε πρόθυμη και διαθέσιμη να μου λύσει οποιαδήποτε απορία, ενώ παράλληλα με καθοδήγησε με τις πολύτιμες συμβουλές του στην σωστή συγγραφή της εργασίας αλλά και άλλους καθηγητές/υπεύθυνους του προγράμματος της σχολής μου με παροχή σεμιναρίων/</a:t>
+              <a:t> Μαρία ήταν πάντοτε πρόθυμη και διαθέσιμη να μου λύσει οποιαδήποτε απορία, ενώ παράλληλα με καθοδήγησε με τις πολύτιμες συμβουλές της στην σωστή συγγραφή της εργασίας αλλά και άλλους καθηγητές/υπεύθυνους του προγράμματος της σχολής μου με παροχή σεμιναρίων/</a:t>
             </a:r>
             <a:r>
               <a:rPr lang="en-US" sz="1800" dirty="0">

--- a/SEKF/Μητροπολιτικό Κολλέγιο_ΣΕΚΦ[Μιχαηλ Μαρκου] IT in Global Business.pptx
+++ b/SEKF/Μητροπολιτικό Κολλέγιο_ΣΕΚΦ[Μιχαηλ Μαρκου] IT in Global Business.pptx
@@ -229,7 +229,7 @@
             <a:fld id="{8196BD0F-C7DE-4148-B4AF-E3709382BF27}" type="datetimeFigureOut">
               <a:rPr lang="en-US" smtClean="0"/>
               <a:pPr/>
-              <a:t>3/15/2023</a:t>
+              <a:t>4/3/2023</a:t>
             </a:fld>
             <a:endParaRPr lang="en-US" dirty="0"/>
           </a:p>
@@ -396,7 +396,7 @@
             <a:fld id="{FEE8B350-5958-0E41-A6C5-C2C83FBF1FAC}" type="datetimeFigureOut">
               <a:rPr lang="en-US" smtClean="0"/>
               <a:pPr/>
-              <a:t>3/15/2023</a:t>
+              <a:t>4/3/2023</a:t>
             </a:fld>
             <a:endParaRPr lang="en-US" dirty="0"/>
           </a:p>
@@ -3788,7 +3788,7 @@
             <a:fld id="{623BE99D-5132-394D-8DE2-2FD77049DBCC}" type="datetimeFigureOut">
               <a:rPr lang="en-US" smtClean="0"/>
               <a:pPr/>
-              <a:t>3/15/2023</a:t>
+              <a:t>4/3/2023</a:t>
             </a:fld>
             <a:endParaRPr lang="en-US" dirty="0"/>
           </a:p>
@@ -3993,7 +3993,7 @@
             <a:fld id="{623BE99D-5132-394D-8DE2-2FD77049DBCC}" type="datetimeFigureOut">
               <a:rPr lang="en-US" smtClean="0"/>
               <a:pPr/>
-              <a:t>3/15/2023</a:t>
+              <a:t>4/3/2023</a:t>
             </a:fld>
             <a:endParaRPr lang="en-US" dirty="0"/>
           </a:p>
@@ -4198,7 +4198,7 @@
             <a:fld id="{623BE99D-5132-394D-8DE2-2FD77049DBCC}" type="datetimeFigureOut">
               <a:rPr lang="en-US" smtClean="0"/>
               <a:pPr/>
-              <a:t>3/15/2023</a:t>
+              <a:t>4/3/2023</a:t>
             </a:fld>
             <a:endParaRPr lang="en-US" dirty="0"/>
           </a:p>
@@ -4465,7 +4465,7 @@
             <a:fld id="{623BE99D-5132-394D-8DE2-2FD77049DBCC}" type="datetimeFigureOut">
               <a:rPr lang="en-US" smtClean="0"/>
               <a:pPr/>
-              <a:t>3/15/2023</a:t>
+              <a:t>4/3/2023</a:t>
             </a:fld>
             <a:endParaRPr lang="en-US" dirty="0"/>
           </a:p>
@@ -4675,7 +4675,7 @@
             <a:fld id="{623BE99D-5132-394D-8DE2-2FD77049DBCC}" type="datetimeFigureOut">
               <a:rPr lang="en-US" smtClean="0"/>
               <a:pPr/>
-              <a:t>3/15/2023</a:t>
+              <a:t>4/3/2023</a:t>
             </a:fld>
             <a:endParaRPr lang="en-US" dirty="0"/>
           </a:p>
@@ -4952,7 +4952,7 @@
             <a:fld id="{623BE99D-5132-394D-8DE2-2FD77049DBCC}" type="datetimeFigureOut">
               <a:rPr lang="en-US" smtClean="0"/>
               <a:pPr/>
-              <a:t>3/15/2023</a:t>
+              <a:t>4/3/2023</a:t>
             </a:fld>
             <a:endParaRPr lang="en-US" dirty="0"/>
           </a:p>
@@ -5277,7 +5277,7 @@
             <a:fld id="{623BE99D-5132-394D-8DE2-2FD77049DBCC}" type="datetimeFigureOut">
               <a:rPr lang="en-US" smtClean="0"/>
               <a:pPr/>
-              <a:t>3/15/2023</a:t>
+              <a:t>4/3/2023</a:t>
             </a:fld>
             <a:endParaRPr lang="en-US" dirty="0"/>
           </a:p>
@@ -5742,7 +5742,7 @@
             <a:fld id="{623BE99D-5132-394D-8DE2-2FD77049DBCC}" type="datetimeFigureOut">
               <a:rPr lang="en-US" smtClean="0"/>
               <a:pPr/>
-              <a:t>3/15/2023</a:t>
+              <a:t>4/3/2023</a:t>
             </a:fld>
             <a:endParaRPr lang="en-US" dirty="0"/>
           </a:p>
@@ -5893,7 +5893,7 @@
             <a:fld id="{623BE99D-5132-394D-8DE2-2FD77049DBCC}" type="datetimeFigureOut">
               <a:rPr lang="en-US" smtClean="0"/>
               <a:pPr/>
-              <a:t>3/15/2023</a:t>
+              <a:t>4/3/2023</a:t>
             </a:fld>
             <a:endParaRPr lang="en-US" dirty="0"/>
           </a:p>
@@ -6014,7 +6014,7 @@
             <a:fld id="{623BE99D-5132-394D-8DE2-2FD77049DBCC}" type="datetimeFigureOut">
               <a:rPr lang="en-US" smtClean="0"/>
               <a:pPr/>
-              <a:t>3/15/2023</a:t>
+              <a:t>4/3/2023</a:t>
             </a:fld>
             <a:endParaRPr lang="en-US" dirty="0"/>
           </a:p>
@@ -6324,7 +6324,7 @@
             <a:fld id="{623BE99D-5132-394D-8DE2-2FD77049DBCC}" type="datetimeFigureOut">
               <a:rPr lang="en-US" smtClean="0"/>
               <a:pPr/>
-              <a:t>3/15/2023</a:t>
+              <a:t>4/3/2023</a:t>
             </a:fld>
             <a:endParaRPr lang="en-US" dirty="0"/>
           </a:p>
@@ -6534,7 +6534,7 @@
             <a:fld id="{623BE99D-5132-394D-8DE2-2FD77049DBCC}" type="datetimeFigureOut">
               <a:rPr lang="en-US" smtClean="0"/>
               <a:pPr/>
-              <a:t>3/15/2023</a:t>
+              <a:t>4/3/2023</a:t>
             </a:fld>
             <a:endParaRPr lang="en-US" dirty="0"/>
           </a:p>
@@ -6816,7 +6816,7 @@
             <a:fld id="{623BE99D-5132-394D-8DE2-2FD77049DBCC}" type="datetimeFigureOut">
               <a:rPr lang="en-US" smtClean="0"/>
               <a:pPr/>
-              <a:t>3/15/2023</a:t>
+              <a:t>4/3/2023</a:t>
             </a:fld>
             <a:endParaRPr lang="en-US" dirty="0"/>
           </a:p>
@@ -7026,7 +7026,7 @@
             <a:fld id="{623BE99D-5132-394D-8DE2-2FD77049DBCC}" type="datetimeFigureOut">
               <a:rPr lang="en-US" smtClean="0"/>
               <a:pPr/>
-              <a:t>3/15/2023</a:t>
+              <a:t>4/3/2023</a:t>
             </a:fld>
             <a:endParaRPr lang="en-US" dirty="0"/>
           </a:p>
@@ -7236,7 +7236,7 @@
             <a:fld id="{623BE99D-5132-394D-8DE2-2FD77049DBCC}" type="datetimeFigureOut">
               <a:rPr lang="en-US" smtClean="0"/>
               <a:pPr/>
-              <a:t>3/15/2023</a:t>
+              <a:t>4/3/2023</a:t>
             </a:fld>
             <a:endParaRPr lang="en-US" dirty="0"/>
           </a:p>
@@ -7513,7 +7513,7 @@
             <a:fld id="{623BE99D-5132-394D-8DE2-2FD77049DBCC}" type="datetimeFigureOut">
               <a:rPr lang="en-US" smtClean="0"/>
               <a:pPr/>
-              <a:t>3/15/2023</a:t>
+              <a:t>4/3/2023</a:t>
             </a:fld>
             <a:endParaRPr lang="en-US" dirty="0"/>
           </a:p>
@@ -7833,7 +7833,7 @@
             <a:fld id="{623BE99D-5132-394D-8DE2-2FD77049DBCC}" type="datetimeFigureOut">
               <a:rPr lang="en-US" smtClean="0"/>
               <a:pPr/>
-              <a:t>3/15/2023</a:t>
+              <a:t>4/3/2023</a:t>
             </a:fld>
             <a:endParaRPr lang="en-US" dirty="0"/>
           </a:p>
@@ -8293,7 +8293,7 @@
             <a:fld id="{623BE99D-5132-394D-8DE2-2FD77049DBCC}" type="datetimeFigureOut">
               <a:rPr lang="en-US" smtClean="0"/>
               <a:pPr/>
-              <a:t>3/15/2023</a:t>
+              <a:t>4/3/2023</a:t>
             </a:fld>
             <a:endParaRPr lang="en-US" dirty="0"/>
           </a:p>
@@ -8439,7 +8439,7 @@
             <a:fld id="{623BE99D-5132-394D-8DE2-2FD77049DBCC}" type="datetimeFigureOut">
               <a:rPr lang="en-US" smtClean="0"/>
               <a:pPr/>
-              <a:t>3/15/2023</a:t>
+              <a:t>4/3/2023</a:t>
             </a:fld>
             <a:endParaRPr lang="en-US" dirty="0"/>
           </a:p>
@@ -8555,7 +8555,7 @@
             <a:fld id="{623BE99D-5132-394D-8DE2-2FD77049DBCC}" type="datetimeFigureOut">
               <a:rPr lang="en-US" smtClean="0"/>
               <a:pPr/>
-              <a:t>3/15/2023</a:t>
+              <a:t>4/3/2023</a:t>
             </a:fld>
             <a:endParaRPr lang="en-US" dirty="0"/>
           </a:p>
@@ -8860,7 +8860,7 @@
             <a:fld id="{623BE99D-5132-394D-8DE2-2FD77049DBCC}" type="datetimeFigureOut">
               <a:rPr lang="en-US" smtClean="0"/>
               <a:pPr/>
-              <a:t>3/15/2023</a:t>
+              <a:t>4/3/2023</a:t>
             </a:fld>
             <a:endParaRPr lang="en-US" dirty="0"/>
           </a:p>
@@ -9142,7 +9142,7 @@
             <a:fld id="{623BE99D-5132-394D-8DE2-2FD77049DBCC}" type="datetimeFigureOut">
               <a:rPr lang="en-US" smtClean="0"/>
               <a:pPr/>
-              <a:t>3/15/2023</a:t>
+              <a:t>4/3/2023</a:t>
             </a:fld>
             <a:endParaRPr lang="en-US" dirty="0"/>
           </a:p>
@@ -10408,7 +10408,7 @@
         <p:spPr>
           <a:xfrm>
             <a:off x="218647" y="1867600"/>
-            <a:ext cx="8208579" cy="2308324"/>
+            <a:ext cx="8208579" cy="2862322"/>
           </a:xfrm>
           <a:prstGeom prst="rect">
             <a:avLst/>
@@ -10448,7 +10448,31 @@
                 <a:ea typeface="Calibri" panose="020F0502020204030204" pitchFamily="34" charset="0"/>
                 <a:cs typeface="Arial" panose="020B0604020202020204" pitchFamily="34" charset="0"/>
               </a:rPr>
-              <a:t>Μια βιβλιογραφική ανάλυση του ρόλου της τεχνολογίας στη διευκόλυνση των παγκόσμιων επιχειρηματικών λειτουργιών.</a:t>
+              <a:t>Μια βιβλιογραφική ανάλυση του ρόλου της τεχνολογίας </a:t>
+            </a:r>
+            <a:r>
+              <a:rPr lang="el-GR" sz="3600" b="1">
+                <a:solidFill>
+                  <a:srgbClr val="212529"/>
+                </a:solidFill>
+                <a:effectLst/>
+                <a:latin typeface="Arial" panose="020B0604020202020204" pitchFamily="34" charset="0"/>
+                <a:ea typeface="Calibri" panose="020F0502020204030204" pitchFamily="34" charset="0"/>
+                <a:cs typeface="Arial" panose="020B0604020202020204" pitchFamily="34" charset="0"/>
+              </a:rPr>
+              <a:t>και μεθοδολογιών </a:t>
+            </a:r>
+            <a:r>
+              <a:rPr lang="el-GR" sz="3600" b="1" dirty="0">
+                <a:solidFill>
+                  <a:srgbClr val="212529"/>
+                </a:solidFill>
+                <a:effectLst/>
+                <a:latin typeface="Arial" panose="020B0604020202020204" pitchFamily="34" charset="0"/>
+                <a:ea typeface="Calibri" panose="020F0502020204030204" pitchFamily="34" charset="0"/>
+                <a:cs typeface="Arial" panose="020B0604020202020204" pitchFamily="34" charset="0"/>
+              </a:rPr>
+              <a:t>στη διευκόλυνση των παγκόσμιων επιχειρηματικών λειτουργιών.</a:t>
             </a:r>
             <a:endParaRPr lang="en-US" sz="3600" b="1" dirty="0">
               <a:solidFill>
